--- a/Slides/Womeps_Day 1-Final.pptx
+++ b/Slides/Womeps_Day 1-Final.pptx
@@ -280,7 +280,7 @@
               <a:pPr>
                 <a:defRPr/>
               </a:pPr>
-              <a:t>11.04.2023</a:t>
+              <a:t>12.04.23</a:t>
             </a:fld>
             <a:endParaRPr lang="de-DE"/>
           </a:p>
@@ -3548,7 +3548,7 @@
               <a:pPr eaLnBrk="1">
                 <a:defRPr/>
               </a:pPr>
-              <a:t>11. April 2023</a:t>
+              <a:t>12. April 2023</a:t>
             </a:fld>
             <a:endParaRPr lang="de-DE" altLang="de-DE" sz="1000" dirty="0">
               <a:solidFill>
@@ -4434,7 +4434,7 @@
               <a:pPr eaLnBrk="1">
                 <a:defRPr/>
               </a:pPr>
-              <a:t>11. April 2023</a:t>
+              <a:t>12. April 2023</a:t>
             </a:fld>
             <a:endParaRPr lang="de-DE" altLang="de-DE" sz="1000" dirty="0">
               <a:solidFill>
@@ -8436,25 +8436,7 @@
                 </a:solidFill>
                 <a:latin typeface="+mn-lt"/>
               </a:rPr>
-              <a:t>Vertiefungsseminar zu Testtheorie und Testkonstruktion (</a:t>
-            </a:r>
-            <a:r>
-              <a:rPr lang="de-DE" sz="2000" dirty="0" err="1">
-                <a:solidFill>
-                  <a:srgbClr val="000000"/>
-                </a:solidFill>
-                <a:latin typeface="+mn-lt"/>
-              </a:rPr>
-              <a:t>BSc</a:t>
-            </a:r>
-            <a:r>
-              <a:rPr lang="de-DE" sz="2000" dirty="0">
-                <a:solidFill>
-                  <a:srgbClr val="000000"/>
-                </a:solidFill>
-                <a:latin typeface="+mn-lt"/>
-              </a:rPr>
-              <a:t>-Psychologie)</a:t>
+              <a:t>Vertiefungsseminar zu Testtheorie und Testkonstruktion (B.Sc.-Psychologie)</a:t>
             </a:r>
           </a:p>
           <a:p>

--- a/Slides/Womeps_Day 1-Final.pptx
+++ b/Slides/Womeps_Day 1-Final.pptx
@@ -280,7 +280,7 @@
               <a:pPr>
                 <a:defRPr/>
               </a:pPr>
-              <a:t>11.04.2023</a:t>
+              <a:t>12.04.2023</a:t>
             </a:fld>
             <a:endParaRPr lang="de-DE"/>
           </a:p>
@@ -3548,7 +3548,7 @@
               <a:pPr eaLnBrk="1">
                 <a:defRPr/>
               </a:pPr>
-              <a:t>11. April 2023</a:t>
+              <a:t>12. April 2023</a:t>
             </a:fld>
             <a:endParaRPr lang="de-DE" altLang="de-DE" sz="1000" dirty="0">
               <a:solidFill>
@@ -4434,7 +4434,7 @@
               <a:pPr eaLnBrk="1">
                 <a:defRPr/>
               </a:pPr>
-              <a:t>11. April 2023</a:t>
+              <a:t>12. April 2023</a:t>
             </a:fld>
             <a:endParaRPr lang="de-DE" altLang="de-DE" sz="1000" dirty="0">
               <a:solidFill>
@@ -6608,7 +6608,7 @@
           <a:p>
             <a:r>
               <a:rPr lang="de-DE" sz="2800" dirty="0"/>
-              <a:t>Aufgabe Day 1</a:t>
+              <a:t>Aufgaben 1. Tag</a:t>
             </a:r>
             <a:endParaRPr lang="de-DE" dirty="0"/>
           </a:p>
@@ -6690,7 +6690,7 @@
             </a:pPr>
             <a:r>
               <a:rPr lang="de-DE" sz="2400" b="1" dirty="0"/>
-              <a:t>Erstellen Sie ein Basic Häufigkeitsdiagramm (Bar Plot) für Geschlecht und subjektive Schichteinstufung nach Bundesländer</a:t>
+              <a:t>Erstellen Sie ein Basic Häufigkeitsdiagramm (Bar Plot) für Geschlecht und subjektive Schichteinstufung</a:t>
             </a:r>
           </a:p>
           <a:p>
@@ -6720,7 +6720,10 @@
               <a:rPr lang="de-DE" sz="2400" b="1" dirty="0" err="1"/>
               <a:t>Distress</a:t>
             </a:r>
-            <a:endParaRPr lang="de-DE" sz="2400" b="1" dirty="0"/>
+            <a:r>
+              <a:rPr lang="de-DE" sz="2400" b="1" dirty="0"/>
+              <a:t> (zwei Diagramme)</a:t>
+            </a:r>
           </a:p>
         </p:txBody>
       </p:sp>
